--- a/slides/HR.pptx
+++ b/slides/HR.pptx
@@ -157,6 +157,11 @@
       </a:defRPr>
     </a:lvl9pPr>
   </p:defaultTextStyle>
+  <p:extLst>
+    <p:ext uri="{EFAFB233-063F-42B5-8137-9DF3F51BA10A}">
+      <p15:sldGuideLst xmlns:p15="http://schemas.microsoft.com/office/powerpoint/2012/main"/>
+    </p:ext>
+  </p:extLst>
 </p:presentation>
 </file>
 
@@ -307,7 +312,7 @@
           <a:p>
             <a:fld id="{743B6936-7252-CE4B-8B38-6575282CEF63}" type="datetimeFigureOut">
               <a:rPr lang="ru-RU" smtClean="0"/>
-              <a:t>07.04.2023</a:t>
+              <a:t>12.05.2023</a:t>
             </a:fld>
             <a:endParaRPr lang="ru-RU"/>
           </a:p>
@@ -453,7 +458,7 @@
           <a:p>
             <a:fld id="{1D8BD707-D9CF-40AE-B4C6-C98DA3205C09}" type="datetimeFigureOut">
               <a:rPr lang="en-US"/>
-              <a:t>4/12/23</a:t>
+              <a:t>5/12/23</a:t>
             </a:fld>
             <a:endParaRPr lang="en-US"/>
           </a:p>
@@ -629,7 +634,7 @@
           <a:p>
             <a:fld id="{743B6936-7252-CE4B-8B38-6575282CEF63}" type="datetimeFigureOut">
               <a:rPr lang="ru-RU" smtClean="0"/>
-              <a:t>07.04.2023</a:t>
+              <a:t>12.05.2023</a:t>
             </a:fld>
             <a:endParaRPr lang="ru-RU"/>
           </a:p>
@@ -904,7 +909,7 @@
           <a:p>
             <a:fld id="{743B6936-7252-CE4B-8B38-6575282CEF63}" type="datetimeFigureOut">
               <a:rPr lang="ru-RU" smtClean="0"/>
-              <a:t>07.04.2023</a:t>
+              <a:t>12.05.2023</a:t>
             </a:fld>
             <a:endParaRPr lang="ru-RU"/>
           </a:p>
@@ -1169,7 +1174,7 @@
           <a:p>
             <a:fld id="{743B6936-7252-CE4B-8B38-6575282CEF63}" type="datetimeFigureOut">
               <a:rPr lang="ru-RU" smtClean="0"/>
-              <a:t>07.04.2023</a:t>
+              <a:t>12.05.2023</a:t>
             </a:fld>
             <a:endParaRPr lang="ru-RU"/>
           </a:p>
@@ -1581,7 +1586,7 @@
           <a:p>
             <a:fld id="{743B6936-7252-CE4B-8B38-6575282CEF63}" type="datetimeFigureOut">
               <a:rPr lang="ru-RU" smtClean="0"/>
-              <a:t>07.04.2023</a:t>
+              <a:t>12.05.2023</a:t>
             </a:fld>
             <a:endParaRPr lang="ru-RU"/>
           </a:p>
@@ -1722,7 +1727,7 @@
           <a:p>
             <a:fld id="{743B6936-7252-CE4B-8B38-6575282CEF63}" type="datetimeFigureOut">
               <a:rPr lang="ru-RU" smtClean="0"/>
-              <a:t>07.04.2023</a:t>
+              <a:t>12.05.2023</a:t>
             </a:fld>
             <a:endParaRPr lang="ru-RU"/>
           </a:p>
@@ -1835,7 +1840,7 @@
           <a:p>
             <a:fld id="{743B6936-7252-CE4B-8B38-6575282CEF63}" type="datetimeFigureOut">
               <a:rPr lang="ru-RU" smtClean="0"/>
-              <a:t>07.04.2023</a:t>
+              <a:t>12.05.2023</a:t>
             </a:fld>
             <a:endParaRPr lang="ru-RU"/>
           </a:p>
@@ -2146,7 +2151,7 @@
           <a:p>
             <a:fld id="{743B6936-7252-CE4B-8B38-6575282CEF63}" type="datetimeFigureOut">
               <a:rPr lang="ru-RU" smtClean="0"/>
-              <a:t>07.04.2023</a:t>
+              <a:t>12.05.2023</a:t>
             </a:fld>
             <a:endParaRPr lang="ru-RU"/>
           </a:p>
@@ -2434,7 +2439,7 @@
           <a:p>
             <a:fld id="{743B6936-7252-CE4B-8B38-6575282CEF63}" type="datetimeFigureOut">
               <a:rPr lang="ru-RU" smtClean="0"/>
-              <a:t>07.04.2023</a:t>
+              <a:t>12.05.2023</a:t>
             </a:fld>
             <a:endParaRPr lang="ru-RU"/>
           </a:p>
@@ -2675,7 +2680,7 @@
           <a:p>
             <a:fld id="{743B6936-7252-CE4B-8B38-6575282CEF63}" type="datetimeFigureOut">
               <a:rPr lang="ru-RU" smtClean="0"/>
-              <a:t>07.04.2023</a:t>
+              <a:t>12.05.2023</a:t>
             </a:fld>
             <a:endParaRPr lang="ru-RU"/>
           </a:p>
@@ -3109,7 +3114,7 @@
         </p:nvSpPr>
         <p:spPr>
           <a:xfrm>
-            <a:off x="1524000" y="1854201"/>
+            <a:off x="1524000" y="1773815"/>
             <a:ext cx="9144000" cy="2908299"/>
           </a:xfrm>
         </p:spPr>
@@ -3280,6 +3285,70 @@
                 </a:solidFill>
               </a:rPr>
               <a:t>Курс «Менеджмент разработки ПО»</a:t>
+            </a:r>
+          </a:p>
+        </p:txBody>
+      </p:sp>
+      <p:sp>
+        <p:nvSpPr>
+          <p:cNvPr id="4" name="TextBox 3">
+            <a:extLst>
+              <a:ext uri="{FF2B5EF4-FFF2-40B4-BE49-F238E27FC236}">
+                <a16:creationId xmlns:a16="http://schemas.microsoft.com/office/drawing/2014/main" id="{717945B2-5CCF-9C9D-ECD0-A337D4643D00}"/>
+              </a:ext>
+            </a:extLst>
+          </p:cNvPr>
+          <p:cNvSpPr txBox="1"/>
+          <p:nvPr/>
+        </p:nvSpPr>
+        <p:spPr>
+          <a:xfrm>
+            <a:off x="2491991" y="4893127"/>
+            <a:ext cx="6792686" cy="1477328"/>
+          </a:xfrm>
+          <a:prstGeom prst="rect">
+            <a:avLst/>
+          </a:prstGeom>
+          <a:noFill/>
+        </p:spPr>
+        <p:txBody>
+          <a:bodyPr wrap="square" rtlCol="0">
+            <a:spAutoFit/>
+          </a:bodyPr>
+          <a:lstStyle/>
+          <a:p>
+            <a:pPr algn="ctr"/>
+            <a:r>
+              <a:rPr lang="ru-RU" dirty="0"/>
+              <a:t>Профиль "идеального кандидата".</a:t>
+            </a:r>
+          </a:p>
+          <a:p>
+            <a:pPr algn="ctr"/>
+            <a:r>
+              <a:rPr lang="ru-RU" dirty="0"/>
+              <a:t>Компетенции. Что это такое и какие бывают? </a:t>
+            </a:r>
+          </a:p>
+          <a:p>
+            <a:pPr algn="ctr"/>
+            <a:r>
+              <a:rPr lang="ru-RU" dirty="0"/>
+              <a:t>Как выявить компетенцию? Инструменты интервью</a:t>
+            </a:r>
+          </a:p>
+          <a:p>
+            <a:pPr algn="ctr"/>
+            <a:r>
+              <a:rPr lang="ru-RU" dirty="0"/>
+              <a:t>Увольнение. Когда и как расставаться с сотрудником</a:t>
+            </a:r>
+          </a:p>
+          <a:p>
+            <a:pPr algn="ctr"/>
+            <a:r>
+              <a:rPr lang="ru-RU" dirty="0"/>
+              <a:t>Найм и увольнение по ценностям</a:t>
             </a:r>
           </a:p>
         </p:txBody>
